--- a/Sentiment Analysis.pptx
+++ b/Sentiment Analysis.pptx
@@ -5,7 +5,7 @@
     <p:sldMasterId id="2147483648" r:id="rId1"/>
   </p:sldMasterIdLst>
   <p:notesMasterIdLst>
-    <p:notesMasterId r:id="rId18"/>
+    <p:notesMasterId r:id="rId20"/>
   </p:notesMasterIdLst>
   <p:sldIdLst>
     <p:sldId id="256" r:id="rId2"/>
@@ -20,10 +20,12 @@
     <p:sldId id="270" r:id="rId11"/>
     <p:sldId id="267" r:id="rId12"/>
     <p:sldId id="269" r:id="rId13"/>
-    <p:sldId id="260" r:id="rId14"/>
-    <p:sldId id="261" r:id="rId15"/>
-    <p:sldId id="262" r:id="rId16"/>
-    <p:sldId id="263" r:id="rId17"/>
+    <p:sldId id="274" r:id="rId14"/>
+    <p:sldId id="275" r:id="rId15"/>
+    <p:sldId id="260" r:id="rId16"/>
+    <p:sldId id="261" r:id="rId17"/>
+    <p:sldId id="262" r:id="rId18"/>
+    <p:sldId id="263" r:id="rId19"/>
   </p:sldIdLst>
   <p:sldSz cx="9144000" cy="6858000" type="screen4x3"/>
   <p:notesSz cx="6858000" cy="9144000"/>
@@ -207,7 +209,8 @@
           <a:p>
             <a:fld id="{CC67D426-32D9-48D5-812A-CA522AC7B788}" type="datetimeFigureOut">
               <a:rPr lang="en-AU" smtClean="0"/>
-              <a:t>23/09/2019</a:t>
+              <a:pPr/>
+              <a:t>29/09/2019</a:t>
             </a:fld>
             <a:endParaRPr lang="en-AU"/>
           </a:p>
@@ -366,6 +369,7 @@
           <a:p>
             <a:fld id="{8E2C4D1D-38AC-4ACB-B85C-AD408D96DDD4}" type="slidenum">
               <a:rPr lang="en-AU" smtClean="0"/>
+              <a:pPr/>
               <a:t>‹#›</a:t>
             </a:fld>
             <a:endParaRPr lang="en-AU"/>
@@ -375,7 +379,7 @@
     </p:spTree>
     <p:extLst>
       <p:ext uri="{BB962C8B-B14F-4D97-AF65-F5344CB8AC3E}">
-        <p14:creationId xmlns:p14="http://schemas.microsoft.com/office/powerpoint/2010/main" val="2354223341"/>
+        <p14:creationId xmlns:p14="http://schemas.microsoft.com/office/powerpoint/2010/main" xmlns="" val="2354223341"/>
       </p:ext>
     </p:extLst>
   </p:cSld>
@@ -544,6 +548,7 @@
           <a:p>
             <a:fld id="{8E2C4D1D-38AC-4ACB-B85C-AD408D96DDD4}" type="slidenum">
               <a:rPr lang="en-AU" smtClean="0"/>
+              <a:pPr/>
               <a:t>8</a:t>
             </a:fld>
             <a:endParaRPr lang="en-AU"/>
@@ -553,7 +558,7 @@
     </p:spTree>
     <p:extLst>
       <p:ext uri="{BB962C8B-B14F-4D97-AF65-F5344CB8AC3E}">
-        <p14:creationId xmlns:p14="http://schemas.microsoft.com/office/powerpoint/2010/main" val="2177924603"/>
+        <p14:creationId xmlns:p14="http://schemas.microsoft.com/office/powerpoint/2010/main" xmlns="" val="2177924603"/>
       </p:ext>
     </p:extLst>
   </p:cSld>
@@ -642,6 +647,7 @@
           <a:p>
             <a:fld id="{8E2C4D1D-38AC-4ACB-B85C-AD408D96DDD4}" type="slidenum">
               <a:rPr lang="en-AU" smtClean="0"/>
+              <a:pPr/>
               <a:t>9</a:t>
             </a:fld>
             <a:endParaRPr lang="en-AU"/>
@@ -651,7 +657,7 @@
     </p:spTree>
     <p:extLst>
       <p:ext uri="{BB962C8B-B14F-4D97-AF65-F5344CB8AC3E}">
-        <p14:creationId xmlns:p14="http://schemas.microsoft.com/office/powerpoint/2010/main" val="3266681102"/>
+        <p14:creationId xmlns:p14="http://schemas.microsoft.com/office/powerpoint/2010/main" xmlns="" val="3266681102"/>
       </p:ext>
     </p:extLst>
   </p:cSld>
@@ -744,6 +750,7 @@
           <a:p>
             <a:fld id="{8E2C4D1D-38AC-4ACB-B85C-AD408D96DDD4}" type="slidenum">
               <a:rPr lang="en-AU" smtClean="0"/>
+              <a:pPr/>
               <a:t>10</a:t>
             </a:fld>
             <a:endParaRPr lang="en-AU"/>
@@ -753,7 +760,7 @@
     </p:spTree>
     <p:extLst>
       <p:ext uri="{BB962C8B-B14F-4D97-AF65-F5344CB8AC3E}">
-        <p14:creationId xmlns:p14="http://schemas.microsoft.com/office/powerpoint/2010/main" val="3892085359"/>
+        <p14:creationId xmlns:p14="http://schemas.microsoft.com/office/powerpoint/2010/main" xmlns="" val="3892085359"/>
       </p:ext>
     </p:extLst>
   </p:cSld>
@@ -836,6 +843,7 @@
           <a:p>
             <a:fld id="{8E2C4D1D-38AC-4ACB-B85C-AD408D96DDD4}" type="slidenum">
               <a:rPr lang="en-AU" smtClean="0"/>
+              <a:pPr/>
               <a:t>11</a:t>
             </a:fld>
             <a:endParaRPr lang="en-AU"/>
@@ -845,7 +853,7 @@
     </p:spTree>
     <p:extLst>
       <p:ext uri="{BB962C8B-B14F-4D97-AF65-F5344CB8AC3E}">
-        <p14:creationId xmlns:p14="http://schemas.microsoft.com/office/powerpoint/2010/main" val="2294128107"/>
+        <p14:creationId xmlns:p14="http://schemas.microsoft.com/office/powerpoint/2010/main" xmlns="" val="2294128107"/>
       </p:ext>
     </p:extLst>
   </p:cSld>
@@ -934,6 +942,7 @@
           <a:p>
             <a:fld id="{8E2C4D1D-38AC-4ACB-B85C-AD408D96DDD4}" type="slidenum">
               <a:rPr lang="en-AU" smtClean="0"/>
+              <a:pPr/>
               <a:t>12</a:t>
             </a:fld>
             <a:endParaRPr lang="en-AU"/>
@@ -943,7 +952,205 @@
     </p:spTree>
     <p:extLst>
       <p:ext uri="{BB962C8B-B14F-4D97-AF65-F5344CB8AC3E}">
-        <p14:creationId xmlns:p14="http://schemas.microsoft.com/office/powerpoint/2010/main" val="2177924603"/>
+        <p14:creationId xmlns:p14="http://schemas.microsoft.com/office/powerpoint/2010/main" xmlns="" val="2177924603"/>
+      </p:ext>
+    </p:extLst>
+  </p:cSld>
+  <p:clrMapOvr>
+    <a:masterClrMapping/>
+  </p:clrMapOvr>
+</p:notes>
+</file>
+
+<file path=ppt/notesSlides/notesSlide6.xml><?xml version="1.0" encoding="utf-8"?>
+<p:notes xmlns:a="http://schemas.openxmlformats.org/drawingml/2006/main" xmlns:r="http://schemas.openxmlformats.org/officeDocument/2006/relationships" xmlns:p="http://schemas.openxmlformats.org/presentationml/2006/main">
+  <p:cSld>
+    <p:spTree>
+      <p:nvGrpSpPr>
+        <p:cNvPr id="1" name=""/>
+        <p:cNvGrpSpPr/>
+        <p:nvPr/>
+      </p:nvGrpSpPr>
+      <p:grpSpPr>
+        <a:xfrm>
+          <a:off x="0" y="0"/>
+          <a:ext cx="0" cy="0"/>
+          <a:chOff x="0" y="0"/>
+          <a:chExt cx="0" cy="0"/>
+        </a:xfrm>
+      </p:grpSpPr>
+      <p:sp>
+        <p:nvSpPr>
+          <p:cNvPr id="2" name="Slide Image Placeholder 1"/>
+          <p:cNvSpPr>
+            <a:spLocks noGrp="1" noRot="1" noChangeAspect="1"/>
+          </p:cNvSpPr>
+          <p:nvPr>
+            <p:ph type="sldImg"/>
+          </p:nvPr>
+        </p:nvSpPr>
+        <p:spPr/>
+      </p:sp>
+      <p:sp>
+        <p:nvSpPr>
+          <p:cNvPr id="3" name="Notes Placeholder 2"/>
+          <p:cNvSpPr>
+            <a:spLocks noGrp="1"/>
+          </p:cNvSpPr>
+          <p:nvPr>
+            <p:ph type="body" idx="1"/>
+          </p:nvPr>
+        </p:nvSpPr>
+        <p:spPr/>
+        <p:txBody>
+          <a:bodyPr/>
+          <a:lstStyle/>
+          <a:p>
+            <a:r>
+              <a:rPr lang="en-AU" dirty="0" smtClean="0"/>
+              <a:t>Plot</a:t>
+            </a:r>
+            <a:r>
+              <a:rPr lang="en-AU" baseline="0" dirty="0" smtClean="0"/>
+              <a:t> of ATO Sentiment over time</a:t>
+            </a:r>
+          </a:p>
+          <a:p>
+            <a:r>
+              <a:rPr lang="en-AU" baseline="0" dirty="0" smtClean="0"/>
+              <a:t>Table of ATO average sentiment, average sentiment by hashtag.</a:t>
+            </a:r>
+            <a:endParaRPr lang="en-AU" dirty="0"/>
+          </a:p>
+        </p:txBody>
+      </p:sp>
+      <p:sp>
+        <p:nvSpPr>
+          <p:cNvPr id="4" name="Slide Number Placeholder 3"/>
+          <p:cNvSpPr>
+            <a:spLocks noGrp="1"/>
+          </p:cNvSpPr>
+          <p:nvPr>
+            <p:ph type="sldNum" sz="quarter" idx="10"/>
+          </p:nvPr>
+        </p:nvSpPr>
+        <p:spPr/>
+        <p:txBody>
+          <a:bodyPr/>
+          <a:lstStyle/>
+          <a:p>
+            <a:fld id="{8E2C4D1D-38AC-4ACB-B85C-AD408D96DDD4}" type="slidenum">
+              <a:rPr lang="en-AU" smtClean="0"/>
+              <a:pPr/>
+              <a:t>13</a:t>
+            </a:fld>
+            <a:endParaRPr lang="en-AU"/>
+          </a:p>
+        </p:txBody>
+      </p:sp>
+    </p:spTree>
+    <p:extLst>
+      <p:ext uri="{BB962C8B-B14F-4D97-AF65-F5344CB8AC3E}">
+        <p14:creationId xmlns:p14="http://schemas.microsoft.com/office/powerpoint/2010/main" xmlns="" val="2177924603"/>
+      </p:ext>
+    </p:extLst>
+  </p:cSld>
+  <p:clrMapOvr>
+    <a:masterClrMapping/>
+  </p:clrMapOvr>
+</p:notes>
+</file>
+
+<file path=ppt/notesSlides/notesSlide7.xml><?xml version="1.0" encoding="utf-8"?>
+<p:notes xmlns:a="http://schemas.openxmlformats.org/drawingml/2006/main" xmlns:r="http://schemas.openxmlformats.org/officeDocument/2006/relationships" xmlns:p="http://schemas.openxmlformats.org/presentationml/2006/main">
+  <p:cSld>
+    <p:spTree>
+      <p:nvGrpSpPr>
+        <p:cNvPr id="1" name=""/>
+        <p:cNvGrpSpPr/>
+        <p:nvPr/>
+      </p:nvGrpSpPr>
+      <p:grpSpPr>
+        <a:xfrm>
+          <a:off x="0" y="0"/>
+          <a:ext cx="0" cy="0"/>
+          <a:chOff x="0" y="0"/>
+          <a:chExt cx="0" cy="0"/>
+        </a:xfrm>
+      </p:grpSpPr>
+      <p:sp>
+        <p:nvSpPr>
+          <p:cNvPr id="2" name="Slide Image Placeholder 1"/>
+          <p:cNvSpPr>
+            <a:spLocks noGrp="1" noRot="1" noChangeAspect="1"/>
+          </p:cNvSpPr>
+          <p:nvPr>
+            <p:ph type="sldImg"/>
+          </p:nvPr>
+        </p:nvSpPr>
+        <p:spPr/>
+      </p:sp>
+      <p:sp>
+        <p:nvSpPr>
+          <p:cNvPr id="3" name="Notes Placeholder 2"/>
+          <p:cNvSpPr>
+            <a:spLocks noGrp="1"/>
+          </p:cNvSpPr>
+          <p:nvPr>
+            <p:ph type="body" idx="1"/>
+          </p:nvPr>
+        </p:nvSpPr>
+        <p:spPr/>
+        <p:txBody>
+          <a:bodyPr/>
+          <a:lstStyle/>
+          <a:p>
+            <a:r>
+              <a:rPr lang="en-AU" dirty="0" smtClean="0"/>
+              <a:t>Plot</a:t>
+            </a:r>
+            <a:r>
+              <a:rPr lang="en-AU" baseline="0" dirty="0" smtClean="0"/>
+              <a:t> of ATO Sentiment over time</a:t>
+            </a:r>
+          </a:p>
+          <a:p>
+            <a:r>
+              <a:rPr lang="en-AU" baseline="0" dirty="0" smtClean="0"/>
+              <a:t>Table of ATO average sentiment, average sentiment by hashtag.</a:t>
+            </a:r>
+            <a:endParaRPr lang="en-AU" dirty="0"/>
+          </a:p>
+        </p:txBody>
+      </p:sp>
+      <p:sp>
+        <p:nvSpPr>
+          <p:cNvPr id="4" name="Slide Number Placeholder 3"/>
+          <p:cNvSpPr>
+            <a:spLocks noGrp="1"/>
+          </p:cNvSpPr>
+          <p:nvPr>
+            <p:ph type="sldNum" sz="quarter" idx="10"/>
+          </p:nvPr>
+        </p:nvSpPr>
+        <p:spPr/>
+        <p:txBody>
+          <a:bodyPr/>
+          <a:lstStyle/>
+          <a:p>
+            <a:fld id="{8E2C4D1D-38AC-4ACB-B85C-AD408D96DDD4}" type="slidenum">
+              <a:rPr lang="en-AU" smtClean="0"/>
+              <a:pPr/>
+              <a:t>14</a:t>
+            </a:fld>
+            <a:endParaRPr lang="en-AU"/>
+          </a:p>
+        </p:txBody>
+      </p:sp>
+    </p:spTree>
+    <p:extLst>
+      <p:ext uri="{BB962C8B-B14F-4D97-AF65-F5344CB8AC3E}">
+        <p14:creationId xmlns:p14="http://schemas.microsoft.com/office/powerpoint/2010/main" xmlns="" val="2177924603"/>
       </p:ext>
     </p:extLst>
   </p:cSld>
@@ -1135,7 +1342,7 @@
             <a:fld id="{1D8BD707-D9CF-40AE-B4C6-C98DA3205C09}" type="datetimeFigureOut">
               <a:rPr lang="en-US" smtClean="0"/>
               <a:pPr/>
-              <a:t>9/23/2019</a:t>
+              <a:t>9/29/2019</a:t>
             </a:fld>
             <a:endParaRPr lang="en-US"/>
           </a:p>
@@ -1302,7 +1509,7 @@
             <a:fld id="{1D8BD707-D9CF-40AE-B4C6-C98DA3205C09}" type="datetimeFigureOut">
               <a:rPr lang="en-US" smtClean="0"/>
               <a:pPr/>
-              <a:t>9/23/2019</a:t>
+              <a:t>9/29/2019</a:t>
             </a:fld>
             <a:endParaRPr lang="en-US"/>
           </a:p>
@@ -1479,7 +1686,7 @@
             <a:fld id="{1D8BD707-D9CF-40AE-B4C6-C98DA3205C09}" type="datetimeFigureOut">
               <a:rPr lang="en-US" smtClean="0"/>
               <a:pPr/>
-              <a:t>9/23/2019</a:t>
+              <a:t>9/29/2019</a:t>
             </a:fld>
             <a:endParaRPr lang="en-US"/>
           </a:p>
@@ -1646,7 +1853,7 @@
             <a:fld id="{1D8BD707-D9CF-40AE-B4C6-C98DA3205C09}" type="datetimeFigureOut">
               <a:rPr lang="en-US" smtClean="0"/>
               <a:pPr/>
-              <a:t>9/23/2019</a:t>
+              <a:t>9/29/2019</a:t>
             </a:fld>
             <a:endParaRPr lang="en-US"/>
           </a:p>
@@ -1889,7 +2096,7 @@
             <a:fld id="{1D8BD707-D9CF-40AE-B4C6-C98DA3205C09}" type="datetimeFigureOut">
               <a:rPr lang="en-US" smtClean="0"/>
               <a:pPr/>
-              <a:t>9/23/2019</a:t>
+              <a:t>9/29/2019</a:t>
             </a:fld>
             <a:endParaRPr lang="en-US"/>
           </a:p>
@@ -2174,7 +2381,7 @@
             <a:fld id="{1D8BD707-D9CF-40AE-B4C6-C98DA3205C09}" type="datetimeFigureOut">
               <a:rPr lang="en-US" smtClean="0"/>
               <a:pPr/>
-              <a:t>9/23/2019</a:t>
+              <a:t>9/29/2019</a:t>
             </a:fld>
             <a:endParaRPr lang="en-US"/>
           </a:p>
@@ -2593,7 +2800,7 @@
             <a:fld id="{1D8BD707-D9CF-40AE-B4C6-C98DA3205C09}" type="datetimeFigureOut">
               <a:rPr lang="en-US" smtClean="0"/>
               <a:pPr/>
-              <a:t>9/23/2019</a:t>
+              <a:t>9/29/2019</a:t>
             </a:fld>
             <a:endParaRPr lang="en-US"/>
           </a:p>
@@ -2708,7 +2915,7 @@
             <a:fld id="{1D8BD707-D9CF-40AE-B4C6-C98DA3205C09}" type="datetimeFigureOut">
               <a:rPr lang="en-US" smtClean="0"/>
               <a:pPr/>
-              <a:t>9/23/2019</a:t>
+              <a:t>9/29/2019</a:t>
             </a:fld>
             <a:endParaRPr lang="en-US"/>
           </a:p>
@@ -2800,7 +3007,7 @@
             <a:fld id="{1D8BD707-D9CF-40AE-B4C6-C98DA3205C09}" type="datetimeFigureOut">
               <a:rPr lang="en-US" smtClean="0"/>
               <a:pPr/>
-              <a:t>9/23/2019</a:t>
+              <a:t>9/29/2019</a:t>
             </a:fld>
             <a:endParaRPr lang="en-US"/>
           </a:p>
@@ -3074,7 +3281,7 @@
             <a:fld id="{1D8BD707-D9CF-40AE-B4C6-C98DA3205C09}" type="datetimeFigureOut">
               <a:rPr lang="en-US" smtClean="0"/>
               <a:pPr/>
-              <a:t>9/23/2019</a:t>
+              <a:t>9/29/2019</a:t>
             </a:fld>
             <a:endParaRPr lang="en-US"/>
           </a:p>
@@ -3324,7 +3531,7 @@
             <a:fld id="{1D8BD707-D9CF-40AE-B4C6-C98DA3205C09}" type="datetimeFigureOut">
               <a:rPr lang="en-US" smtClean="0"/>
               <a:pPr/>
-              <a:t>9/23/2019</a:t>
+              <a:t>9/29/2019</a:t>
             </a:fld>
             <a:endParaRPr lang="en-US"/>
           </a:p>
@@ -3534,7 +3741,7 @@
             <a:fld id="{1D8BD707-D9CF-40AE-B4C6-C98DA3205C09}" type="datetimeFigureOut">
               <a:rPr lang="en-US" smtClean="0"/>
               <a:pPr/>
-              <a:t>9/23/2019</a:t>
+              <a:t>9/29/2019</a:t>
             </a:fld>
             <a:endParaRPr lang="en-US"/>
           </a:p>
@@ -3966,7 +4173,7 @@
     </p:spTree>
     <p:extLst>
       <p:ext uri="{BB962C8B-B14F-4D97-AF65-F5344CB8AC3E}">
-        <p14:creationId xmlns:p14="http://schemas.microsoft.com/office/powerpoint/2010/main" val="3335519153"/>
+        <p14:creationId xmlns:p14="http://schemas.microsoft.com/office/powerpoint/2010/main" xmlns="" val="3335519153"/>
       </p:ext>
     </p:extLst>
   </p:cSld>
@@ -4009,10 +4216,10 @@
           <p:nvPr/>
         </p:nvPicPr>
         <p:blipFill>
-          <a:blip r:embed="rId3">
+          <a:blip r:embed="rId3" cstate="print">
             <a:extLst>
               <a:ext uri="{28A0092B-C50C-407E-A947-70E740481C1C}">
-                <a14:useLocalDpi xmlns:a14="http://schemas.microsoft.com/office/drawing/2010/main" val="0"/>
+                <a14:useLocalDpi xmlns:a14="http://schemas.microsoft.com/office/drawing/2010/main" xmlns="" val="0"/>
               </a:ext>
             </a:extLst>
           </a:blip>
@@ -4032,7 +4239,7 @@
           <a:noFill/>
           <a:extLst>
             <a:ext uri="{909E8E84-426E-40DD-AFC4-6F175D3DCCD1}">
-              <a14:hiddenFill xmlns:a14="http://schemas.microsoft.com/office/drawing/2010/main">
+              <a14:hiddenFill xmlns:a14="http://schemas.microsoft.com/office/drawing/2010/main" xmlns="">
                 <a:solidFill>
                   <a:srgbClr val="FFFFFF"/>
                 </a:solidFill>
@@ -4083,10 +4290,42 @@
           </a:p>
         </p:txBody>
       </p:sp>
+      <p:pic>
+        <p:nvPicPr>
+          <p:cNvPr id="2051" name="Picture 3"/>
+          <p:cNvPicPr>
+            <a:picLocks noChangeAspect="1" noChangeArrowheads="1"/>
+          </p:cNvPicPr>
+          <p:nvPr/>
+        </p:nvPicPr>
+        <p:blipFill>
+          <a:blip r:embed="rId4" cstate="print"/>
+          <a:srcRect/>
+          <a:stretch>
+            <a:fillRect/>
+          </a:stretch>
+        </p:blipFill>
+        <p:spPr bwMode="auto">
+          <a:xfrm>
+            <a:off x="1676400" y="1752600"/>
+            <a:ext cx="5381625" cy="4305300"/>
+          </a:xfrm>
+          <a:prstGeom prst="rect">
+            <a:avLst/>
+          </a:prstGeom>
+          <a:noFill/>
+          <a:ln w="9525">
+            <a:noFill/>
+            <a:miter lim="800000"/>
+            <a:headEnd/>
+            <a:tailEnd/>
+          </a:ln>
+        </p:spPr>
+      </p:pic>
     </p:spTree>
     <p:extLst>
       <p:ext uri="{BB962C8B-B14F-4D97-AF65-F5344CB8AC3E}">
-        <p14:creationId xmlns:p14="http://schemas.microsoft.com/office/powerpoint/2010/main" val="3500824642"/>
+        <p14:creationId xmlns:p14="http://schemas.microsoft.com/office/powerpoint/2010/main" xmlns="" val="3500824642"/>
       </p:ext>
     </p:extLst>
   </p:cSld>
@@ -4129,10 +4368,10 @@
           <p:nvPr/>
         </p:nvPicPr>
         <p:blipFill>
-          <a:blip r:embed="rId3">
+          <a:blip r:embed="rId3" cstate="print">
             <a:extLst>
               <a:ext uri="{28A0092B-C50C-407E-A947-70E740481C1C}">
-                <a14:useLocalDpi xmlns:a14="http://schemas.microsoft.com/office/drawing/2010/main" val="0"/>
+                <a14:useLocalDpi xmlns:a14="http://schemas.microsoft.com/office/drawing/2010/main" xmlns="" val="0"/>
               </a:ext>
             </a:extLst>
           </a:blip>
@@ -4152,7 +4391,7 @@
           <a:noFill/>
           <a:extLst>
             <a:ext uri="{909E8E84-426E-40DD-AFC4-6F175D3DCCD1}">
-              <a14:hiddenFill xmlns:a14="http://schemas.microsoft.com/office/drawing/2010/main">
+              <a14:hiddenFill xmlns:a14="http://schemas.microsoft.com/office/drawing/2010/main" xmlns="">
                 <a:solidFill>
                   <a:srgbClr val="FFFFFF"/>
                 </a:solidFill>
@@ -4245,7 +4484,7 @@
     </p:spTree>
     <p:extLst>
       <p:ext uri="{BB962C8B-B14F-4D97-AF65-F5344CB8AC3E}">
-        <p14:creationId xmlns:p14="http://schemas.microsoft.com/office/powerpoint/2010/main" val="496199928"/>
+        <p14:creationId xmlns:p14="http://schemas.microsoft.com/office/powerpoint/2010/main" xmlns="" val="496199928"/>
       </p:ext>
     </p:extLst>
   </p:cSld>
@@ -4288,10 +4527,10 @@
           <p:nvPr/>
         </p:nvPicPr>
         <p:blipFill>
-          <a:blip r:embed="rId3">
+          <a:blip r:embed="rId3" cstate="print">
             <a:extLst>
               <a:ext uri="{28A0092B-C50C-407E-A947-70E740481C1C}">
-                <a14:useLocalDpi xmlns:a14="http://schemas.microsoft.com/office/drawing/2010/main" val="0"/>
+                <a14:useLocalDpi xmlns:a14="http://schemas.microsoft.com/office/drawing/2010/main" xmlns="" val="0"/>
               </a:ext>
             </a:extLst>
           </a:blip>
@@ -4311,7 +4550,7 @@
           <a:noFill/>
           <a:extLst>
             <a:ext uri="{909E8E84-426E-40DD-AFC4-6F175D3DCCD1}">
-              <a14:hiddenFill xmlns:a14="http://schemas.microsoft.com/office/drawing/2010/main">
+              <a14:hiddenFill xmlns:a14="http://schemas.microsoft.com/office/drawing/2010/main" xmlns="">
                 <a:solidFill>
                   <a:srgbClr val="FFFFFF"/>
                 </a:solidFill>
@@ -4337,35 +4576,50 @@
           <a:p>
             <a:r>
               <a:rPr lang="en-AU" dirty="0" smtClean="0"/>
-              <a:t>Analysis – Sentiment</a:t>
+              <a:t>Number of Tweets by Sentiment</a:t>
             </a:r>
             <a:endParaRPr lang="en-AU" dirty="0"/>
           </a:p>
         </p:txBody>
       </p:sp>
-      <p:sp>
-        <p:nvSpPr>
-          <p:cNvPr id="3" name="Content Placeholder 2"/>
-          <p:cNvSpPr>
-            <a:spLocks noGrp="1"/>
-          </p:cNvSpPr>
+      <p:pic>
+        <p:nvPicPr>
+          <p:cNvPr id="3074" name="Picture 2"/>
+          <p:cNvPicPr>
+            <a:picLocks noGrp="1" noChangeAspect="1" noChangeArrowheads="1"/>
+          </p:cNvPicPr>
           <p:nvPr>
             <p:ph idx="1"/>
           </p:nvPr>
-        </p:nvSpPr>
-        <p:spPr/>
-        <p:txBody>
-          <a:bodyPr/>
-          <a:lstStyle/>
-          <a:p>
-            <a:endParaRPr lang="en-AU"/>
-          </a:p>
-        </p:txBody>
-      </p:sp>
+        </p:nvPicPr>
+        <p:blipFill>
+          <a:blip r:embed="rId4" cstate="print"/>
+          <a:srcRect/>
+          <a:stretch>
+            <a:fillRect/>
+          </a:stretch>
+        </p:blipFill>
+        <p:spPr bwMode="auto">
+          <a:xfrm>
+            <a:off x="1744670" y="1600200"/>
+            <a:ext cx="5654660" cy="4525963"/>
+          </a:xfrm>
+          <a:prstGeom prst="rect">
+            <a:avLst/>
+          </a:prstGeom>
+          <a:noFill/>
+          <a:ln w="9525">
+            <a:noFill/>
+            <a:miter lim="800000"/>
+            <a:headEnd/>
+            <a:tailEnd/>
+          </a:ln>
+        </p:spPr>
+      </p:pic>
     </p:spTree>
     <p:extLst>
       <p:ext uri="{BB962C8B-B14F-4D97-AF65-F5344CB8AC3E}">
-        <p14:creationId xmlns:p14="http://schemas.microsoft.com/office/powerpoint/2010/main" val="3768690438"/>
+        <p14:creationId xmlns:p14="http://schemas.microsoft.com/office/powerpoint/2010/main" xmlns="" val="3768690438"/>
       </p:ext>
     </p:extLst>
   </p:cSld>
@@ -4399,6 +4653,47 @@
           <a:chExt cx="0" cy="0"/>
         </a:xfrm>
       </p:grpSpPr>
+      <p:pic>
+        <p:nvPicPr>
+          <p:cNvPr id="4" name="Picture 5" descr="https://pmcvariety.files.wordpress.com/2018/04/twitter-logo.jpg?w=1000"/>
+          <p:cNvPicPr>
+            <a:picLocks noChangeAspect="1" noChangeArrowheads="1"/>
+          </p:cNvPicPr>
+          <p:nvPr/>
+        </p:nvPicPr>
+        <p:blipFill>
+          <a:blip r:embed="rId3" cstate="print">
+            <a:extLst>
+              <a:ext uri="{28A0092B-C50C-407E-A947-70E740481C1C}">
+                <a14:useLocalDpi xmlns:a14="http://schemas.microsoft.com/office/drawing/2010/main" xmlns="" val="0"/>
+              </a:ext>
+            </a:extLst>
+          </a:blip>
+          <a:srcRect/>
+          <a:stretch>
+            <a:fillRect/>
+          </a:stretch>
+        </p:blipFill>
+        <p:spPr bwMode="auto">
+          <a:xfrm>
+            <a:off x="0" y="0"/>
+            <a:ext cx="9084338" cy="5105399"/>
+          </a:xfrm>
+          <a:prstGeom prst="rect">
+            <a:avLst/>
+          </a:prstGeom>
+          <a:noFill/>
+          <a:extLst>
+            <a:ext uri="{909E8E84-426E-40DD-AFC4-6F175D3DCCD1}">
+              <a14:hiddenFill xmlns:a14="http://schemas.microsoft.com/office/drawing/2010/main" xmlns="">
+                <a:solidFill>
+                  <a:srgbClr val="FFFFFF"/>
+                </a:solidFill>
+              </a14:hiddenFill>
+            </a:ext>
+          </a:extLst>
+        </p:spPr>
+      </p:pic>
       <p:sp>
         <p:nvSpPr>
           <p:cNvPr id="2" name="Title 1"/>
@@ -4411,42 +4706,59 @@
         </p:nvSpPr>
         <p:spPr/>
         <p:txBody>
-          <a:bodyPr>
-            <a:normAutofit fontScale="90000"/>
-          </a:bodyPr>
+          <a:bodyPr/>
           <a:lstStyle/>
           <a:p>
             <a:r>
               <a:rPr lang="en-AU" dirty="0" smtClean="0"/>
-              <a:t>A comparison of open source sentiment analysis libraries (James)</a:t>
+              <a:t>Sentiment over</a:t>
+            </a:r>
+            <a:r>
+              <a:rPr lang="en-AU" baseline="0" dirty="0" smtClean="0"/>
+              <a:t> time</a:t>
             </a:r>
             <a:endParaRPr lang="en-AU" dirty="0"/>
           </a:p>
         </p:txBody>
       </p:sp>
-      <p:sp>
-        <p:nvSpPr>
-          <p:cNvPr id="3" name="Content Placeholder 2"/>
-          <p:cNvSpPr>
-            <a:spLocks noGrp="1"/>
-          </p:cNvSpPr>
+      <p:pic>
+        <p:nvPicPr>
+          <p:cNvPr id="4098" name="Picture 2"/>
+          <p:cNvPicPr>
+            <a:picLocks noGrp="1" noChangeAspect="1" noChangeArrowheads="1"/>
+          </p:cNvPicPr>
           <p:nvPr>
             <p:ph idx="1"/>
           </p:nvPr>
-        </p:nvSpPr>
-        <p:spPr/>
-        <p:txBody>
-          <a:bodyPr/>
-          <a:lstStyle/>
-          <a:p>
-            <a:endParaRPr lang="en-AU"/>
-          </a:p>
-        </p:txBody>
-      </p:sp>
+        </p:nvPicPr>
+        <p:blipFill>
+          <a:blip r:embed="rId4" cstate="print"/>
+          <a:srcRect/>
+          <a:stretch>
+            <a:fillRect/>
+          </a:stretch>
+        </p:blipFill>
+        <p:spPr bwMode="auto">
+          <a:xfrm>
+            <a:off x="1066800" y="1118626"/>
+            <a:ext cx="6934200" cy="5550101"/>
+          </a:xfrm>
+          <a:prstGeom prst="rect">
+            <a:avLst/>
+          </a:prstGeom>
+          <a:noFill/>
+          <a:ln w="9525">
+            <a:noFill/>
+            <a:miter lim="800000"/>
+            <a:headEnd/>
+            <a:tailEnd/>
+          </a:ln>
+        </p:spPr>
+      </p:pic>
     </p:spTree>
     <p:extLst>
       <p:ext uri="{BB962C8B-B14F-4D97-AF65-F5344CB8AC3E}">
-        <p14:creationId xmlns:p14="http://schemas.microsoft.com/office/powerpoint/2010/main" val="2210542558"/>
+        <p14:creationId xmlns:p14="http://schemas.microsoft.com/office/powerpoint/2010/main" xmlns="" val="3768690438"/>
       </p:ext>
     </p:extLst>
   </p:cSld>
@@ -4480,6 +4792,47 @@
           <a:chExt cx="0" cy="0"/>
         </a:xfrm>
       </p:grpSpPr>
+      <p:pic>
+        <p:nvPicPr>
+          <p:cNvPr id="4" name="Picture 5" descr="https://pmcvariety.files.wordpress.com/2018/04/twitter-logo.jpg?w=1000"/>
+          <p:cNvPicPr>
+            <a:picLocks noChangeAspect="1" noChangeArrowheads="1"/>
+          </p:cNvPicPr>
+          <p:nvPr/>
+        </p:nvPicPr>
+        <p:blipFill>
+          <a:blip r:embed="rId4" cstate="print">
+            <a:extLst>
+              <a:ext uri="{28A0092B-C50C-407E-A947-70E740481C1C}">
+                <a14:useLocalDpi xmlns:a14="http://schemas.microsoft.com/office/drawing/2010/main" xmlns="" val="0"/>
+              </a:ext>
+            </a:extLst>
+          </a:blip>
+          <a:srcRect/>
+          <a:stretch>
+            <a:fillRect/>
+          </a:stretch>
+        </p:blipFill>
+        <p:spPr bwMode="auto">
+          <a:xfrm>
+            <a:off x="0" y="0"/>
+            <a:ext cx="9084338" cy="5105399"/>
+          </a:xfrm>
+          <a:prstGeom prst="rect">
+            <a:avLst/>
+          </a:prstGeom>
+          <a:noFill/>
+          <a:extLst>
+            <a:ext uri="{909E8E84-426E-40DD-AFC4-6F175D3DCCD1}">
+              <a14:hiddenFill xmlns:a14="http://schemas.microsoft.com/office/drawing/2010/main" xmlns="">
+                <a:solidFill>
+                  <a:srgbClr val="FFFFFF"/>
+                </a:solidFill>
+              </a14:hiddenFill>
+            </a:ext>
+          </a:extLst>
+        </p:spPr>
+      </p:pic>
       <p:sp>
         <p:nvSpPr>
           <p:cNvPr id="2" name="Title 1"/>
@@ -4492,74 +4845,16 @@
         </p:nvSpPr>
         <p:spPr/>
         <p:txBody>
-          <a:bodyPr>
-            <a:normAutofit fontScale="90000"/>
-          </a:bodyPr>
+          <a:bodyPr/>
           <a:lstStyle/>
           <a:p>
             <a:r>
               <a:rPr lang="en-AU" dirty="0" smtClean="0"/>
-              <a:t>An </a:t>
-            </a:r>
-            <a:r>
-              <a:rPr lang="en-AU" sz="4400" kern="1200" dirty="0" smtClean="0">
-                <a:solidFill>
-                  <a:schemeClr val="tx1"/>
-                </a:solidFill>
-                <a:effectLst/>
-                <a:latin typeface="+mj-lt"/>
-                <a:ea typeface="+mj-ea"/>
-                <a:cs typeface="+mj-cs"/>
-              </a:rPr>
-              <a:t>experiment with Rasa </a:t>
-            </a:r>
-            <a:r>
-              <a:rPr lang="en-AU" sz="4400" kern="1200" dirty="0" err="1" smtClean="0">
-                <a:solidFill>
-                  <a:schemeClr val="tx1"/>
-                </a:solidFill>
-                <a:effectLst/>
-                <a:latin typeface="+mj-lt"/>
-                <a:ea typeface="+mj-ea"/>
-                <a:cs typeface="+mj-cs"/>
-              </a:rPr>
-              <a:t>chatbot</a:t>
-            </a:r>
-            <a:r>
-              <a:rPr lang="en-AU" sz="4400" kern="1200" dirty="0" smtClean="0">
-                <a:solidFill>
-                  <a:schemeClr val="tx1"/>
-                </a:solidFill>
-                <a:effectLst/>
-                <a:latin typeface="+mj-lt"/>
-                <a:ea typeface="+mj-ea"/>
-                <a:cs typeface="+mj-cs"/>
-              </a:rPr>
-              <a:t> tool for “intent” prediction using </a:t>
-            </a:r>
-            <a:r>
-              <a:rPr lang="en-AU" sz="4400" kern="1200" dirty="0" err="1" smtClean="0">
-                <a:solidFill>
-                  <a:schemeClr val="tx1"/>
-                </a:solidFill>
-                <a:effectLst/>
-                <a:latin typeface="+mj-lt"/>
-                <a:ea typeface="+mj-ea"/>
-                <a:cs typeface="+mj-cs"/>
-              </a:rPr>
-              <a:t>Khoros</a:t>
-            </a:r>
-            <a:r>
-              <a:rPr lang="en-AU" sz="4400" kern="1200" dirty="0" smtClean="0">
-                <a:solidFill>
-                  <a:schemeClr val="tx1"/>
-                </a:solidFill>
-                <a:effectLst/>
-                <a:latin typeface="+mj-lt"/>
-                <a:ea typeface="+mj-ea"/>
-                <a:cs typeface="+mj-cs"/>
-              </a:rPr>
-              <a:t> data (Ilana present his work )</a:t>
+              <a:t>Sentiment by </a:t>
+            </a:r>
+            <a:r>
+              <a:rPr lang="en-AU" dirty="0" err="1" smtClean="0"/>
+              <a:t>Hashtag</a:t>
             </a:r>
             <a:endParaRPr lang="en-AU" dirty="0"/>
           </a:p>
@@ -4567,7 +4862,7 @@
       </p:sp>
       <p:sp>
         <p:nvSpPr>
-          <p:cNvPr id="3" name="Content Placeholder 2"/>
+          <p:cNvPr id="5" name="Content Placeholder 4"/>
           <p:cNvSpPr>
             <a:spLocks noGrp="1"/>
           </p:cNvSpPr>
@@ -4580,14 +4875,34 @@
           <a:bodyPr/>
           <a:lstStyle/>
           <a:p>
-            <a:endParaRPr lang="en-AU"/>
-          </a:p>
-        </p:txBody>
-      </p:sp>
+            <a:endParaRPr lang="en-US" dirty="0"/>
+          </a:p>
+        </p:txBody>
+      </p:sp>
+      <p:graphicFrame>
+        <p:nvGraphicFramePr>
+          <p:cNvPr id="6145" name="Object 1"/>
+          <p:cNvGraphicFramePr>
+            <a:graphicFrameLocks noChangeAspect="1"/>
+          </p:cNvGraphicFramePr>
+          <p:nvPr/>
+        </p:nvGraphicFramePr>
+        <p:xfrm>
+          <a:off x="2057400" y="1219200"/>
+          <a:ext cx="6786561" cy="5751512"/>
+        </p:xfrm>
+        <a:graphic>
+          <a:graphicData uri="http://schemas.openxmlformats.org/presentationml/2006/ole">
+            <p:oleObj spid="_x0000_s6145" name="Document" r:id="rId5" imgW="6105850" imgH="5751070" progId="Word.Document.12">
+              <p:embed/>
+            </p:oleObj>
+          </a:graphicData>
+        </a:graphic>
+      </p:graphicFrame>
     </p:spTree>
     <p:extLst>
       <p:ext uri="{BB962C8B-B14F-4D97-AF65-F5344CB8AC3E}">
-        <p14:creationId xmlns:p14="http://schemas.microsoft.com/office/powerpoint/2010/main" val="3624082028"/>
+        <p14:creationId xmlns:p14="http://schemas.microsoft.com/office/powerpoint/2010/main" xmlns="" val="3768690438"/>
       </p:ext>
     </p:extLst>
   </p:cSld>
@@ -4633,12 +4948,14 @@
         </p:nvSpPr>
         <p:spPr/>
         <p:txBody>
-          <a:bodyPr/>
+          <a:bodyPr>
+            <a:normAutofit fontScale="90000"/>
+          </a:bodyPr>
           <a:lstStyle/>
           <a:p>
             <a:r>
               <a:rPr lang="en-AU" dirty="0" smtClean="0"/>
-              <a:t>Conclusions and Findings (Ilana)</a:t>
+              <a:t>A comparison of open source sentiment analysis libraries (James)</a:t>
             </a:r>
             <a:endParaRPr lang="en-AU" dirty="0"/>
           </a:p>
@@ -4666,7 +4983,7 @@
     </p:spTree>
     <p:extLst>
       <p:ext uri="{BB962C8B-B14F-4D97-AF65-F5344CB8AC3E}">
-        <p14:creationId xmlns:p14="http://schemas.microsoft.com/office/powerpoint/2010/main" val="1278175793"/>
+        <p14:creationId xmlns:p14="http://schemas.microsoft.com/office/powerpoint/2010/main" xmlns="" val="2210542558"/>
       </p:ext>
     </p:extLst>
   </p:cSld>
@@ -4712,6 +5029,226 @@
         </p:nvSpPr>
         <p:spPr/>
         <p:txBody>
+          <a:bodyPr>
+            <a:normAutofit fontScale="90000"/>
+          </a:bodyPr>
+          <a:lstStyle/>
+          <a:p>
+            <a:r>
+              <a:rPr lang="en-AU" dirty="0" smtClean="0"/>
+              <a:t>An </a:t>
+            </a:r>
+            <a:r>
+              <a:rPr lang="en-AU" sz="4400" kern="1200" dirty="0" smtClean="0">
+                <a:solidFill>
+                  <a:schemeClr val="tx1"/>
+                </a:solidFill>
+                <a:effectLst/>
+                <a:latin typeface="+mj-lt"/>
+                <a:ea typeface="+mj-ea"/>
+                <a:cs typeface="+mj-cs"/>
+              </a:rPr>
+              <a:t>experiment with Rasa </a:t>
+            </a:r>
+            <a:r>
+              <a:rPr lang="en-AU" sz="4400" kern="1200" dirty="0" err="1" smtClean="0">
+                <a:solidFill>
+                  <a:schemeClr val="tx1"/>
+                </a:solidFill>
+                <a:effectLst/>
+                <a:latin typeface="+mj-lt"/>
+                <a:ea typeface="+mj-ea"/>
+                <a:cs typeface="+mj-cs"/>
+              </a:rPr>
+              <a:t>chatbot</a:t>
+            </a:r>
+            <a:r>
+              <a:rPr lang="en-AU" sz="4400" kern="1200" dirty="0" smtClean="0">
+                <a:solidFill>
+                  <a:schemeClr val="tx1"/>
+                </a:solidFill>
+                <a:effectLst/>
+                <a:latin typeface="+mj-lt"/>
+                <a:ea typeface="+mj-ea"/>
+                <a:cs typeface="+mj-cs"/>
+              </a:rPr>
+              <a:t> tool for “intent” prediction using </a:t>
+            </a:r>
+            <a:r>
+              <a:rPr lang="en-AU" sz="4400" kern="1200" dirty="0" err="1" smtClean="0">
+                <a:solidFill>
+                  <a:schemeClr val="tx1"/>
+                </a:solidFill>
+                <a:effectLst/>
+                <a:latin typeface="+mj-lt"/>
+                <a:ea typeface="+mj-ea"/>
+                <a:cs typeface="+mj-cs"/>
+              </a:rPr>
+              <a:t>Khoros</a:t>
+            </a:r>
+            <a:r>
+              <a:rPr lang="en-AU" sz="4400" kern="1200" dirty="0" smtClean="0">
+                <a:solidFill>
+                  <a:schemeClr val="tx1"/>
+                </a:solidFill>
+                <a:effectLst/>
+                <a:latin typeface="+mj-lt"/>
+                <a:ea typeface="+mj-ea"/>
+                <a:cs typeface="+mj-cs"/>
+              </a:rPr>
+              <a:t> data (Ilana present his work )</a:t>
+            </a:r>
+            <a:endParaRPr lang="en-AU" dirty="0"/>
+          </a:p>
+        </p:txBody>
+      </p:sp>
+      <p:sp>
+        <p:nvSpPr>
+          <p:cNvPr id="3" name="Content Placeholder 2"/>
+          <p:cNvSpPr>
+            <a:spLocks noGrp="1"/>
+          </p:cNvSpPr>
+          <p:nvPr>
+            <p:ph idx="1"/>
+          </p:nvPr>
+        </p:nvSpPr>
+        <p:spPr/>
+        <p:txBody>
+          <a:bodyPr/>
+          <a:lstStyle/>
+          <a:p>
+            <a:endParaRPr lang="en-AU"/>
+          </a:p>
+        </p:txBody>
+      </p:sp>
+    </p:spTree>
+    <p:extLst>
+      <p:ext uri="{BB962C8B-B14F-4D97-AF65-F5344CB8AC3E}">
+        <p14:creationId xmlns:p14="http://schemas.microsoft.com/office/powerpoint/2010/main" xmlns="" val="3624082028"/>
+      </p:ext>
+    </p:extLst>
+  </p:cSld>
+  <p:clrMapOvr>
+    <a:masterClrMapping/>
+  </p:clrMapOvr>
+  <p:timing>
+    <p:tnLst>
+      <p:par>
+        <p:cTn id="1" dur="indefinite" restart="never" nodeType="tmRoot"/>
+      </p:par>
+    </p:tnLst>
+  </p:timing>
+</p:sld>
+</file>
+
+<file path=ppt/slides/slide17.xml><?xml version="1.0" encoding="utf-8"?>
+<p:sld xmlns:a="http://schemas.openxmlformats.org/drawingml/2006/main" xmlns:r="http://schemas.openxmlformats.org/officeDocument/2006/relationships" xmlns:p="http://schemas.openxmlformats.org/presentationml/2006/main">
+  <p:cSld>
+    <p:spTree>
+      <p:nvGrpSpPr>
+        <p:cNvPr id="1" name=""/>
+        <p:cNvGrpSpPr/>
+        <p:nvPr/>
+      </p:nvGrpSpPr>
+      <p:grpSpPr>
+        <a:xfrm>
+          <a:off x="0" y="0"/>
+          <a:ext cx="0" cy="0"/>
+          <a:chOff x="0" y="0"/>
+          <a:chExt cx="0" cy="0"/>
+        </a:xfrm>
+      </p:grpSpPr>
+      <p:sp>
+        <p:nvSpPr>
+          <p:cNvPr id="2" name="Title 1"/>
+          <p:cNvSpPr>
+            <a:spLocks noGrp="1"/>
+          </p:cNvSpPr>
+          <p:nvPr>
+            <p:ph type="title"/>
+          </p:nvPr>
+        </p:nvSpPr>
+        <p:spPr/>
+        <p:txBody>
+          <a:bodyPr/>
+          <a:lstStyle/>
+          <a:p>
+            <a:r>
+              <a:rPr lang="en-AU" dirty="0" smtClean="0"/>
+              <a:t>Conclusions and Findings (Ilana)</a:t>
+            </a:r>
+            <a:endParaRPr lang="en-AU" dirty="0"/>
+          </a:p>
+        </p:txBody>
+      </p:sp>
+      <p:sp>
+        <p:nvSpPr>
+          <p:cNvPr id="3" name="Content Placeholder 2"/>
+          <p:cNvSpPr>
+            <a:spLocks noGrp="1"/>
+          </p:cNvSpPr>
+          <p:nvPr>
+            <p:ph idx="1"/>
+          </p:nvPr>
+        </p:nvSpPr>
+        <p:spPr/>
+        <p:txBody>
+          <a:bodyPr/>
+          <a:lstStyle/>
+          <a:p>
+            <a:endParaRPr lang="en-AU"/>
+          </a:p>
+        </p:txBody>
+      </p:sp>
+    </p:spTree>
+    <p:extLst>
+      <p:ext uri="{BB962C8B-B14F-4D97-AF65-F5344CB8AC3E}">
+        <p14:creationId xmlns:p14="http://schemas.microsoft.com/office/powerpoint/2010/main" xmlns="" val="1278175793"/>
+      </p:ext>
+    </p:extLst>
+  </p:cSld>
+  <p:clrMapOvr>
+    <a:masterClrMapping/>
+  </p:clrMapOvr>
+  <p:timing>
+    <p:tnLst>
+      <p:par>
+        <p:cTn id="1" dur="indefinite" restart="never" nodeType="tmRoot"/>
+      </p:par>
+    </p:tnLst>
+  </p:timing>
+</p:sld>
+</file>
+
+<file path=ppt/slides/slide18.xml><?xml version="1.0" encoding="utf-8"?>
+<p:sld xmlns:a="http://schemas.openxmlformats.org/drawingml/2006/main" xmlns:r="http://schemas.openxmlformats.org/officeDocument/2006/relationships" xmlns:p="http://schemas.openxmlformats.org/presentationml/2006/main">
+  <p:cSld>
+    <p:spTree>
+      <p:nvGrpSpPr>
+        <p:cNvPr id="1" name=""/>
+        <p:cNvGrpSpPr/>
+        <p:nvPr/>
+      </p:nvGrpSpPr>
+      <p:grpSpPr>
+        <a:xfrm>
+          <a:off x="0" y="0"/>
+          <a:ext cx="0" cy="0"/>
+          <a:chOff x="0" y="0"/>
+          <a:chExt cx="0" cy="0"/>
+        </a:xfrm>
+      </p:grpSpPr>
+      <p:sp>
+        <p:nvSpPr>
+          <p:cNvPr id="2" name="Title 1"/>
+          <p:cNvSpPr>
+            <a:spLocks noGrp="1"/>
+          </p:cNvSpPr>
+          <p:nvPr>
+            <p:ph type="title"/>
+          </p:nvPr>
+        </p:nvSpPr>
+        <p:spPr/>
+        <p:txBody>
           <a:bodyPr/>
           <a:lstStyle/>
           <a:p>
@@ -4759,7 +5296,7 @@
     </p:spTree>
     <p:extLst>
       <p:ext uri="{BB962C8B-B14F-4D97-AF65-F5344CB8AC3E}">
-        <p14:creationId xmlns:p14="http://schemas.microsoft.com/office/powerpoint/2010/main" val="942499805"/>
+        <p14:creationId xmlns:p14="http://schemas.microsoft.com/office/powerpoint/2010/main" xmlns="" val="942499805"/>
       </p:ext>
     </p:extLst>
   </p:cSld>
@@ -4838,7 +5375,7 @@
     </p:spTree>
     <p:extLst>
       <p:ext uri="{BB962C8B-B14F-4D97-AF65-F5344CB8AC3E}">
-        <p14:creationId xmlns:p14="http://schemas.microsoft.com/office/powerpoint/2010/main" val="161031528"/>
+        <p14:creationId xmlns:p14="http://schemas.microsoft.com/office/powerpoint/2010/main" xmlns="" val="161031528"/>
       </p:ext>
     </p:extLst>
   </p:cSld>
@@ -4943,7 +5480,7 @@
     </p:spTree>
     <p:extLst>
       <p:ext uri="{BB962C8B-B14F-4D97-AF65-F5344CB8AC3E}">
-        <p14:creationId xmlns:p14="http://schemas.microsoft.com/office/powerpoint/2010/main" val="2448662724"/>
+        <p14:creationId xmlns:p14="http://schemas.microsoft.com/office/powerpoint/2010/main" xmlns="" val="2448662724"/>
       </p:ext>
     </p:extLst>
   </p:cSld>
@@ -5065,7 +5602,7 @@
     </p:spTree>
     <p:extLst>
       <p:ext uri="{BB962C8B-B14F-4D97-AF65-F5344CB8AC3E}">
-        <p14:creationId xmlns:p14="http://schemas.microsoft.com/office/powerpoint/2010/main" val="3765956035"/>
+        <p14:creationId xmlns:p14="http://schemas.microsoft.com/office/powerpoint/2010/main" xmlns="" val="3765956035"/>
       </p:ext>
     </p:extLst>
   </p:cSld>
@@ -5108,10 +5645,10 @@
           <p:nvPr/>
         </p:nvPicPr>
         <p:blipFill>
-          <a:blip r:embed="rId2">
+          <a:blip r:embed="rId2" cstate="print">
             <a:extLst>
               <a:ext uri="{28A0092B-C50C-407E-A947-70E740481C1C}">
-                <a14:useLocalDpi xmlns:a14="http://schemas.microsoft.com/office/drawing/2010/main" val="0"/>
+                <a14:useLocalDpi xmlns:a14="http://schemas.microsoft.com/office/drawing/2010/main" xmlns="" val="0"/>
               </a:ext>
             </a:extLst>
           </a:blip>
@@ -5131,7 +5668,7 @@
           <a:noFill/>
           <a:extLst>
             <a:ext uri="{909E8E84-426E-40DD-AFC4-6F175D3DCCD1}">
-              <a14:hiddenFill xmlns:a14="http://schemas.microsoft.com/office/drawing/2010/main">
+              <a14:hiddenFill xmlns:a14="http://schemas.microsoft.com/office/drawing/2010/main" xmlns="">
                 <a:solidFill>
                   <a:srgbClr val="FFFFFF"/>
                 </a:solidFill>
@@ -5202,7 +5739,7 @@
     </p:spTree>
     <p:extLst>
       <p:ext uri="{BB962C8B-B14F-4D97-AF65-F5344CB8AC3E}">
-        <p14:creationId xmlns:p14="http://schemas.microsoft.com/office/powerpoint/2010/main" val="831753084"/>
+        <p14:creationId xmlns:p14="http://schemas.microsoft.com/office/powerpoint/2010/main" xmlns="" val="831753084"/>
       </p:ext>
     </p:extLst>
   </p:cSld>
@@ -5245,10 +5782,10 @@
           <p:nvPr/>
         </p:nvPicPr>
         <p:blipFill>
-          <a:blip r:embed="rId2">
+          <a:blip r:embed="rId2" cstate="print">
             <a:extLst>
               <a:ext uri="{28A0092B-C50C-407E-A947-70E740481C1C}">
-                <a14:useLocalDpi xmlns:a14="http://schemas.microsoft.com/office/drawing/2010/main" val="0"/>
+                <a14:useLocalDpi xmlns:a14="http://schemas.microsoft.com/office/drawing/2010/main" xmlns="" val="0"/>
               </a:ext>
             </a:extLst>
           </a:blip>
@@ -5268,7 +5805,7 @@
           <a:noFill/>
           <a:extLst>
             <a:ext uri="{909E8E84-426E-40DD-AFC4-6F175D3DCCD1}">
-              <a14:hiddenFill xmlns:a14="http://schemas.microsoft.com/office/drawing/2010/main">
+              <a14:hiddenFill xmlns:a14="http://schemas.microsoft.com/office/drawing/2010/main" xmlns="">
                 <a:solidFill>
                   <a:srgbClr val="FFFFFF"/>
                 </a:solidFill>
@@ -5337,7 +5874,7 @@
     </p:spTree>
     <p:extLst>
       <p:ext uri="{BB962C8B-B14F-4D97-AF65-F5344CB8AC3E}">
-        <p14:creationId xmlns:p14="http://schemas.microsoft.com/office/powerpoint/2010/main" val="2594729103"/>
+        <p14:creationId xmlns:p14="http://schemas.microsoft.com/office/powerpoint/2010/main" xmlns="" val="2594729103"/>
       </p:ext>
     </p:extLst>
   </p:cSld>
@@ -5380,10 +5917,10 @@
           <p:nvPr/>
         </p:nvPicPr>
         <p:blipFill>
-          <a:blip r:embed="rId2">
+          <a:blip r:embed="rId2" cstate="print">
             <a:extLst>
               <a:ext uri="{28A0092B-C50C-407E-A947-70E740481C1C}">
-                <a14:useLocalDpi xmlns:a14="http://schemas.microsoft.com/office/drawing/2010/main" val="0"/>
+                <a14:useLocalDpi xmlns:a14="http://schemas.microsoft.com/office/drawing/2010/main" xmlns="" val="0"/>
               </a:ext>
             </a:extLst>
           </a:blip>
@@ -5403,7 +5940,7 @@
           <a:noFill/>
           <a:extLst>
             <a:ext uri="{909E8E84-426E-40DD-AFC4-6F175D3DCCD1}">
-              <a14:hiddenFill xmlns:a14="http://schemas.microsoft.com/office/drawing/2010/main">
+              <a14:hiddenFill xmlns:a14="http://schemas.microsoft.com/office/drawing/2010/main" xmlns="">
                 <a:solidFill>
                   <a:srgbClr val="FFFFFF"/>
                 </a:solidFill>
@@ -5471,7 +6008,7 @@
     </p:spTree>
     <p:extLst>
       <p:ext uri="{BB962C8B-B14F-4D97-AF65-F5344CB8AC3E}">
-        <p14:creationId xmlns:p14="http://schemas.microsoft.com/office/powerpoint/2010/main" val="4131346854"/>
+        <p14:creationId xmlns:p14="http://schemas.microsoft.com/office/powerpoint/2010/main" xmlns="" val="4131346854"/>
       </p:ext>
     </p:extLst>
   </p:cSld>
@@ -5514,10 +6051,10 @@
           <p:nvPr/>
         </p:nvPicPr>
         <p:blipFill>
-          <a:blip r:embed="rId3">
+          <a:blip r:embed="rId3" cstate="print">
             <a:extLst>
               <a:ext uri="{28A0092B-C50C-407E-A947-70E740481C1C}">
-                <a14:useLocalDpi xmlns:a14="http://schemas.microsoft.com/office/drawing/2010/main" val="0"/>
+                <a14:useLocalDpi xmlns:a14="http://schemas.microsoft.com/office/drawing/2010/main" xmlns="" val="0"/>
               </a:ext>
             </a:extLst>
           </a:blip>
@@ -5537,7 +6074,7 @@
           <a:noFill/>
           <a:extLst>
             <a:ext uri="{909E8E84-426E-40DD-AFC4-6F175D3DCCD1}">
-              <a14:hiddenFill xmlns:a14="http://schemas.microsoft.com/office/drawing/2010/main">
+              <a14:hiddenFill xmlns:a14="http://schemas.microsoft.com/office/drawing/2010/main" xmlns="">
                 <a:solidFill>
                   <a:srgbClr val="FFFFFF"/>
                 </a:solidFill>
@@ -5646,7 +6183,7 @@
     </p:spTree>
     <p:extLst>
       <p:ext uri="{BB962C8B-B14F-4D97-AF65-F5344CB8AC3E}">
-        <p14:creationId xmlns:p14="http://schemas.microsoft.com/office/powerpoint/2010/main" val="3083376481"/>
+        <p14:creationId xmlns:p14="http://schemas.microsoft.com/office/powerpoint/2010/main" xmlns="" val="3083376481"/>
       </p:ext>
     </p:extLst>
   </p:cSld>
@@ -5689,10 +6226,10 @@
           <p:nvPr/>
         </p:nvPicPr>
         <p:blipFill>
-          <a:blip r:embed="rId3">
+          <a:blip r:embed="rId3" cstate="print">
             <a:extLst>
               <a:ext uri="{28A0092B-C50C-407E-A947-70E740481C1C}">
-                <a14:useLocalDpi xmlns:a14="http://schemas.microsoft.com/office/drawing/2010/main" val="0"/>
+                <a14:useLocalDpi xmlns:a14="http://schemas.microsoft.com/office/drawing/2010/main" xmlns="" val="0"/>
               </a:ext>
             </a:extLst>
           </a:blip>
@@ -5712,7 +6249,7 @@
           <a:noFill/>
           <a:extLst>
             <a:ext uri="{909E8E84-426E-40DD-AFC4-6F175D3DCCD1}">
-              <a14:hiddenFill xmlns:a14="http://schemas.microsoft.com/office/drawing/2010/main">
+              <a14:hiddenFill xmlns:a14="http://schemas.microsoft.com/office/drawing/2010/main" xmlns="">
                 <a:solidFill>
                   <a:srgbClr val="FFFFFF"/>
                 </a:solidFill>
@@ -5764,22 +6301,53 @@
           <a:lstStyle/>
           <a:p>
             <a:r>
-              <a:rPr lang="en-AU" smtClean="0"/>
-              <a:t>Total number of ATO tweets</a:t>
-            </a:r>
-          </a:p>
-          <a:p>
-            <a:r>
-              <a:rPr lang="en-AU" smtClean="0"/>
-              <a:t>Plot of number of tweets per day</a:t>
-            </a:r>
-          </a:p>
-        </p:txBody>
-      </p:sp>
+              <a:rPr lang="en-AU" dirty="0" smtClean="0"/>
+              <a:t>Total number of ATO </a:t>
+            </a:r>
+            <a:r>
+              <a:rPr lang="en-AU" dirty="0" smtClean="0"/>
+              <a:t>tweets</a:t>
+            </a:r>
+            <a:endParaRPr lang="en-AU" dirty="0" smtClean="0"/>
+          </a:p>
+        </p:txBody>
+      </p:sp>
+      <p:pic>
+        <p:nvPicPr>
+          <p:cNvPr id="1027" name="Picture 3"/>
+          <p:cNvPicPr>
+            <a:picLocks noChangeAspect="1" noChangeArrowheads="1"/>
+          </p:cNvPicPr>
+          <p:nvPr/>
+        </p:nvPicPr>
+        <p:blipFill>
+          <a:blip r:embed="rId4" cstate="print"/>
+          <a:srcRect/>
+          <a:stretch>
+            <a:fillRect/>
+          </a:stretch>
+        </p:blipFill>
+        <p:spPr bwMode="auto">
+          <a:xfrm>
+            <a:off x="1295400" y="2133599"/>
+            <a:ext cx="5836168" cy="4671241"/>
+          </a:xfrm>
+          <a:prstGeom prst="rect">
+            <a:avLst/>
+          </a:prstGeom>
+          <a:noFill/>
+          <a:ln w="9525">
+            <a:noFill/>
+            <a:miter lim="800000"/>
+            <a:headEnd/>
+            <a:tailEnd/>
+          </a:ln>
+        </p:spPr>
+      </p:pic>
     </p:spTree>
     <p:extLst>
       <p:ext uri="{BB962C8B-B14F-4D97-AF65-F5344CB8AC3E}">
-        <p14:creationId xmlns:p14="http://schemas.microsoft.com/office/powerpoint/2010/main" val="699610764"/>
+        <p14:creationId xmlns:p14="http://schemas.microsoft.com/office/powerpoint/2010/main" xmlns="" val="699610764"/>
       </p:ext>
     </p:extLst>
   </p:cSld>
